--- a/admin/weekly-updates/week4/capstone-midterm.pptx
+++ b/admin/weekly-updates/week4/capstone-midterm.pptx
@@ -617,7 +617,7 @@
           <a:p>
             <a:fld id="{3A393435-1217-4E5F-A0A3-CCE40DFDD927}" type="datetime1">
               <a:rPr lang="en-US" smtClean="0"/>
-              <a:t>5/27/2022</a:t>
+              <a:t>5/27/22</a:t>
             </a:fld>
             <a:endParaRPr lang="en-CA"/>
           </a:p>
@@ -817,7 +817,7 @@
           <a:p>
             <a:fld id="{EC2EAE45-F43A-42DF-813D-F038FC1F696E}" type="datetime1">
               <a:rPr lang="en-US" smtClean="0"/>
-              <a:t>5/27/2022</a:t>
+              <a:t>5/27/22</a:t>
             </a:fld>
             <a:endParaRPr lang="en-CA"/>
           </a:p>
@@ -1027,7 +1027,7 @@
           <a:p>
             <a:fld id="{08FF6AAF-80CC-4392-A119-CCF95FAEA93F}" type="datetime1">
               <a:rPr lang="en-US" smtClean="0"/>
-              <a:t>5/27/2022</a:t>
+              <a:t>5/27/22</a:t>
             </a:fld>
             <a:endParaRPr lang="en-CA"/>
           </a:p>
@@ -1254,7 +1254,7 @@
           <a:p>
             <a:fld id="{5C0E8DC7-5F79-4AD7-A5FA-41ACEC01DB40}" type="datetime1">
               <a:rPr lang="en-US" smtClean="0"/>
-              <a:t>5/27/2022</a:t>
+              <a:t>5/27/22</a:t>
             </a:fld>
             <a:endParaRPr lang="en-US"/>
           </a:p>
@@ -1483,7 +1483,7 @@
           <a:p>
             <a:fld id="{45B0670B-3516-405F-A4B8-D28667C0D094}" type="datetime1">
               <a:rPr lang="en-US" smtClean="0"/>
-              <a:t>5/27/2022</a:t>
+              <a:t>5/27/22</a:t>
             </a:fld>
             <a:endParaRPr lang="en-US" dirty="0"/>
           </a:p>
@@ -1758,7 +1758,7 @@
           <a:p>
             <a:fld id="{7EED10FC-6724-4468-B4A1-3D6CB125A9B8}" type="datetime1">
               <a:rPr lang="en-US" smtClean="0"/>
-              <a:t>5/27/2022</a:t>
+              <a:t>5/27/22</a:t>
             </a:fld>
             <a:endParaRPr lang="en-US"/>
           </a:p>
@@ -2024,7 +2024,7 @@
           <a:p>
             <a:fld id="{4B37490B-7A0C-45FE-92E5-A038D1F912CC}" type="datetime1">
               <a:rPr lang="en-US" smtClean="0"/>
-              <a:t>5/27/2022</a:t>
+              <a:t>5/27/22</a:t>
             </a:fld>
             <a:endParaRPr lang="en-US"/>
           </a:p>
@@ -2441,7 +2441,7 @@
           <a:p>
             <a:fld id="{75D1C77F-D137-46EA-9750-D70E5E0E4DB3}" type="datetime1">
               <a:rPr lang="en-US" smtClean="0"/>
-              <a:t>5/27/2022</a:t>
+              <a:t>5/27/22</a:t>
             </a:fld>
             <a:endParaRPr lang="en-US"/>
           </a:p>
@@ -2582,7 +2582,7 @@
           <a:p>
             <a:fld id="{6B322173-5A5A-4980-8E9E-185E43674B3A}" type="datetime1">
               <a:rPr lang="en-US" smtClean="0"/>
-              <a:t>5/27/2022</a:t>
+              <a:t>5/27/22</a:t>
             </a:fld>
             <a:endParaRPr lang="en-US"/>
           </a:p>
@@ -2695,7 +2695,7 @@
           <a:p>
             <a:fld id="{21207FAF-AED8-424B-9573-55CC0DDD1A6B}" type="datetime1">
               <a:rPr lang="en-US" smtClean="0"/>
-              <a:t>5/27/2022</a:t>
+              <a:t>5/27/22</a:t>
             </a:fld>
             <a:endParaRPr lang="en-US"/>
           </a:p>
@@ -3006,7 +3006,7 @@
           <a:p>
             <a:fld id="{E6AAF933-47FB-4699-8E39-700D9D88B6E8}" type="datetime1">
               <a:rPr lang="en-US" smtClean="0"/>
-              <a:t>5/27/2022</a:t>
+              <a:t>5/27/22</a:t>
             </a:fld>
             <a:endParaRPr lang="en-US"/>
           </a:p>
@@ -3206,7 +3206,7 @@
           <a:p>
             <a:fld id="{7C2A970A-B42C-4244-B244-D68E827E72FC}" type="datetime1">
               <a:rPr lang="en-US" smtClean="0"/>
-              <a:t>5/27/2022</a:t>
+              <a:t>5/27/22</a:t>
             </a:fld>
             <a:endParaRPr lang="en-CA"/>
           </a:p>
@@ -3497,7 +3497,7 @@
           <a:p>
             <a:fld id="{57295B1C-9EB8-410A-95D5-F1044434332B}" type="datetime1">
               <a:rPr lang="en-US" smtClean="0"/>
-              <a:t>5/27/2022</a:t>
+              <a:t>5/27/22</a:t>
             </a:fld>
             <a:endParaRPr lang="en-US"/>
           </a:p>
@@ -3695,7 +3695,7 @@
           <a:p>
             <a:fld id="{C139B141-F332-4161-932C-2A2AC00A7365}" type="datetime1">
               <a:rPr lang="en-US" smtClean="0"/>
-              <a:t>5/27/2022</a:t>
+              <a:t>5/27/22</a:t>
             </a:fld>
             <a:endParaRPr lang="en-US"/>
           </a:p>
@@ -3903,7 +3903,7 @@
           <a:p>
             <a:fld id="{FF6A6A1E-F79E-4D4A-9922-DAD627327990}" type="datetime1">
               <a:rPr lang="en-US" smtClean="0"/>
-              <a:t>5/27/2022</a:t>
+              <a:t>5/27/22</a:t>
             </a:fld>
             <a:endParaRPr lang="en-US"/>
           </a:p>
@@ -4179,7 +4179,7 @@
           <a:p>
             <a:fld id="{2CCD613B-BAB7-450F-B1F4-C538F0F104F5}" type="datetime1">
               <a:rPr lang="en-US" smtClean="0"/>
-              <a:t>5/27/2022</a:t>
+              <a:t>5/27/22</a:t>
             </a:fld>
             <a:endParaRPr lang="en-CA"/>
           </a:p>
@@ -4447,7 +4447,7 @@
           <a:p>
             <a:fld id="{C446D95C-4F39-4ACE-8D92-69168662D4D3}" type="datetime1">
               <a:rPr lang="en-US" smtClean="0"/>
-              <a:t>5/27/2022</a:t>
+              <a:t>5/27/22</a:t>
             </a:fld>
             <a:endParaRPr lang="en-CA"/>
           </a:p>
@@ -4862,7 +4862,7 @@
           <a:p>
             <a:fld id="{F854582A-D92B-4D98-8359-5D8A1D725399}" type="datetime1">
               <a:rPr lang="en-US" smtClean="0"/>
-              <a:t>5/27/2022</a:t>
+              <a:t>5/27/22</a:t>
             </a:fld>
             <a:endParaRPr lang="en-CA"/>
           </a:p>
@@ -5004,7 +5004,7 @@
           <a:p>
             <a:fld id="{935FD113-75BE-4C02-9BC4-BA29EDD4AA64}" type="datetime1">
               <a:rPr lang="en-US" smtClean="0"/>
-              <a:t>5/27/2022</a:t>
+              <a:t>5/27/22</a:t>
             </a:fld>
             <a:endParaRPr lang="en-CA"/>
           </a:p>
@@ -5117,7 +5117,7 @@
           <a:p>
             <a:fld id="{B8CE164F-5F87-4803-B905-3B17DF7C42B4}" type="datetime1">
               <a:rPr lang="en-US" smtClean="0"/>
-              <a:t>5/27/2022</a:t>
+              <a:t>5/27/22</a:t>
             </a:fld>
             <a:endParaRPr lang="en-CA"/>
           </a:p>
@@ -5430,7 +5430,7 @@
           <a:p>
             <a:fld id="{35F95D95-BD25-4ED3-9EC0-F68075D20C42}" type="datetime1">
               <a:rPr lang="en-US" smtClean="0"/>
-              <a:t>5/27/2022</a:t>
+              <a:t>5/27/22</a:t>
             </a:fld>
             <a:endParaRPr lang="en-CA"/>
           </a:p>
@@ -5719,7 +5719,7 @@
           <a:p>
             <a:fld id="{5268449C-68D0-41F3-AD1C-BE1E0139BE65}" type="datetime1">
               <a:rPr lang="en-US" smtClean="0"/>
-              <a:t>5/27/2022</a:t>
+              <a:t>5/27/22</a:t>
             </a:fld>
             <a:endParaRPr lang="en-CA"/>
           </a:p>
@@ -5962,7 +5962,7 @@
           <a:p>
             <a:fld id="{17614B8B-2E8A-4A97-A9C6-2AEAC82F547C}" type="datetime1">
               <a:rPr lang="en-US" smtClean="0"/>
-              <a:t>5/27/2022</a:t>
+              <a:t>5/27/22</a:t>
             </a:fld>
             <a:endParaRPr lang="en-CA"/>
           </a:p>
@@ -6847,7 +6847,7 @@
           <a:p>
             <a:fld id="{7AEF56A4-C463-403D-89C7-A2B6979BFC0D}" type="datetime1">
               <a:rPr lang="en-US" smtClean="0"/>
-              <a:t>5/27/2022</a:t>
+              <a:t>5/27/22</a:t>
             </a:fld>
             <a:endParaRPr lang="en-US"/>
           </a:p>
@@ -9473,7 +9473,7 @@
             </a:pPr>
             <a:r>
               <a:rPr lang="en-US" dirty="0"/>
-              <a:t>Learnings and Future Directions</a:t>
+              <a:t>Learnings and Future Direction</a:t>
             </a:r>
           </a:p>
           <a:p>
@@ -9533,7 +9533,10 @@
           <a:bodyPr/>
           <a:lstStyle/>
           <a:p>
-            <a:endParaRPr lang="en-CA"/>
+            <a:r>
+              <a:rPr lang="en-CA" dirty="0"/>
+              <a:t>test</a:t>
+            </a:r>
           </a:p>
         </p:txBody>
       </p:sp>
@@ -9558,7 +9561,10 @@
           <a:bodyPr/>
           <a:lstStyle/>
           <a:p>
-            <a:endParaRPr lang="en-CA"/>
+            <a:r>
+              <a:rPr lang="en-CA"/>
+              <a:t>test</a:t>
+            </a:r>
           </a:p>
         </p:txBody>
       </p:sp>

--- a/admin/weekly-updates/week4/capstone-midterm.pptx
+++ b/admin/weekly-updates/week4/capstone-midterm.pptx
@@ -6,12 +6,13 @@
     <p:sldMasterId id="2147483660" r:id="rId2"/>
   </p:sldMasterIdLst>
   <p:notesMasterIdLst>
-    <p:notesMasterId r:id="rId6"/>
+    <p:notesMasterId r:id="rId7"/>
   </p:notesMasterIdLst>
   <p:sldIdLst>
     <p:sldId id="257" r:id="rId3"/>
     <p:sldId id="259" r:id="rId4"/>
-    <p:sldId id="260" r:id="rId5"/>
+    <p:sldId id="261" r:id="rId5"/>
+    <p:sldId id="260" r:id="rId6"/>
   </p:sldIdLst>
   <p:sldSz cx="12192000" cy="6858000"/>
   <p:notesSz cx="6858000" cy="9144000"/>
@@ -9477,6 +9478,17 @@
             </a:r>
           </a:p>
           <a:p>
+            <a:pPr marL="342900" indent="-342900" algn="l">
+              <a:buFont typeface="Arial" panose="020B0604020202020204" pitchFamily="34" charset="0"/>
+              <a:buChar char="•"/>
+            </a:pPr>
+            <a:r>
+              <a:rPr lang="en-US"/>
+              <a:t>Test</a:t>
+            </a:r>
+            <a:endParaRPr lang="en-US" dirty="0"/>
+          </a:p>
+          <a:p>
             <a:pPr algn="l"/>
             <a:endParaRPr lang="en-US" dirty="0"/>
           </a:p>
@@ -9517,7 +9529,7 @@
           <p:cNvPr id="2" name="Title 1">
             <a:extLst>
               <a:ext uri="{FF2B5EF4-FFF2-40B4-BE49-F238E27FC236}">
-                <a16:creationId xmlns:a16="http://schemas.microsoft.com/office/drawing/2014/main" id="{9DD00315-6409-5D7C-CA16-43A0CD424309}"/>
+                <a16:creationId xmlns:a16="http://schemas.microsoft.com/office/drawing/2014/main" id="{E2817C66-3436-0E2D-5DF2-95ED66BD97CA}"/>
               </a:ext>
             </a:extLst>
           </p:cNvPr>
@@ -9533,7 +9545,11 @@
           <a:bodyPr/>
           <a:lstStyle/>
           <a:p>
-            <a:endParaRPr lang="en-CA"/>
+            <a:r>
+              <a:rPr lang="en-US" dirty="0"/>
+              <a:t>Adding new</a:t>
+            </a:r>
+            <a:endParaRPr lang="en-CA" dirty="0"/>
           </a:p>
         </p:txBody>
       </p:sp>
@@ -9542,7 +9558,7 @@
           <p:cNvPr id="3" name="Content Placeholder 2">
             <a:extLst>
               <a:ext uri="{FF2B5EF4-FFF2-40B4-BE49-F238E27FC236}">
-                <a16:creationId xmlns:a16="http://schemas.microsoft.com/office/drawing/2014/main" id="{BD674AD7-B233-BCE6-DC29-D7D1204C966C}"/>
+                <a16:creationId xmlns:a16="http://schemas.microsoft.com/office/drawing/2014/main" id="{50B2DCE1-892D-C249-0A3C-37CC5A9738CC}"/>
               </a:ext>
             </a:extLst>
           </p:cNvPr>
@@ -9558,7 +9574,7 @@
           <a:bodyPr/>
           <a:lstStyle/>
           <a:p>
-            <a:endParaRPr lang="en-CA"/>
+            <a:endParaRPr lang="en-CA" dirty="0"/>
           </a:p>
         </p:txBody>
       </p:sp>
@@ -9567,7 +9583,7 @@
           <p:cNvPr id="4" name="Slide Number Placeholder 3">
             <a:extLst>
               <a:ext uri="{FF2B5EF4-FFF2-40B4-BE49-F238E27FC236}">
-                <a16:creationId xmlns:a16="http://schemas.microsoft.com/office/drawing/2014/main" id="{B6999564-0BBB-4143-BE1C-F0B99870162A}"/>
+                <a16:creationId xmlns:a16="http://schemas.microsoft.com/office/drawing/2014/main" id="{EF858BC2-DA85-702B-0A26-525B5E0025A0}"/>
               </a:ext>
             </a:extLst>
           </p:cNvPr>
@@ -9586,6 +9602,119 @@
             <a:fld id="{76B8FEF2-1166-4001-8604-5999A6307F98}" type="slidenum">
               <a:rPr lang="en-CA" smtClean="0"/>
               <a:t>3</a:t>
+            </a:fld>
+            <a:endParaRPr lang="en-CA"/>
+          </a:p>
+        </p:txBody>
+      </p:sp>
+    </p:spTree>
+    <p:extLst>
+      <p:ext uri="{BB962C8B-B14F-4D97-AF65-F5344CB8AC3E}">
+        <p14:creationId xmlns:p14="http://schemas.microsoft.com/office/powerpoint/2010/main" val="756945010"/>
+      </p:ext>
+    </p:extLst>
+  </p:cSld>
+  <p:clrMapOvr>
+    <a:masterClrMapping/>
+  </p:clrMapOvr>
+</p:sld>
+</file>
+
+<file path=ppt/slides/slide4.xml><?xml version="1.0" encoding="utf-8"?>
+<p:sld xmlns:a="http://schemas.openxmlformats.org/drawingml/2006/main" xmlns:r="http://schemas.openxmlformats.org/officeDocument/2006/relationships" xmlns:p="http://schemas.openxmlformats.org/presentationml/2006/main">
+  <p:cSld>
+    <p:spTree>
+      <p:nvGrpSpPr>
+        <p:cNvPr id="1" name=""/>
+        <p:cNvGrpSpPr/>
+        <p:nvPr/>
+      </p:nvGrpSpPr>
+      <p:grpSpPr>
+        <a:xfrm>
+          <a:off x="0" y="0"/>
+          <a:ext cx="0" cy="0"/>
+          <a:chOff x="0" y="0"/>
+          <a:chExt cx="0" cy="0"/>
+        </a:xfrm>
+      </p:grpSpPr>
+      <p:sp>
+        <p:nvSpPr>
+          <p:cNvPr id="2" name="Title 1">
+            <a:extLst>
+              <a:ext uri="{FF2B5EF4-FFF2-40B4-BE49-F238E27FC236}">
+                <a16:creationId xmlns:a16="http://schemas.microsoft.com/office/drawing/2014/main" id="{9DD00315-6409-5D7C-CA16-43A0CD424309}"/>
+              </a:ext>
+            </a:extLst>
+          </p:cNvPr>
+          <p:cNvSpPr>
+            <a:spLocks noGrp="1"/>
+          </p:cNvSpPr>
+          <p:nvPr>
+            <p:ph type="title"/>
+          </p:nvPr>
+        </p:nvSpPr>
+        <p:spPr/>
+        <p:txBody>
+          <a:bodyPr/>
+          <a:lstStyle/>
+          <a:p>
+            <a:endParaRPr lang="en-CA"/>
+          </a:p>
+        </p:txBody>
+      </p:sp>
+      <p:sp>
+        <p:nvSpPr>
+          <p:cNvPr id="3" name="Content Placeholder 2">
+            <a:extLst>
+              <a:ext uri="{FF2B5EF4-FFF2-40B4-BE49-F238E27FC236}">
+                <a16:creationId xmlns:a16="http://schemas.microsoft.com/office/drawing/2014/main" id="{BD674AD7-B233-BCE6-DC29-D7D1204C966C}"/>
+              </a:ext>
+            </a:extLst>
+          </p:cNvPr>
+          <p:cNvSpPr>
+            <a:spLocks noGrp="1"/>
+          </p:cNvSpPr>
+          <p:nvPr>
+            <p:ph idx="1"/>
+          </p:nvPr>
+        </p:nvSpPr>
+        <p:spPr/>
+        <p:txBody>
+          <a:bodyPr/>
+          <a:lstStyle/>
+          <a:p>
+            <a:r>
+              <a:rPr lang="en-US" dirty="0"/>
+              <a:t>Checking </a:t>
+            </a:r>
+            <a:endParaRPr lang="en-CA" dirty="0"/>
+          </a:p>
+        </p:txBody>
+      </p:sp>
+      <p:sp>
+        <p:nvSpPr>
+          <p:cNvPr id="4" name="Slide Number Placeholder 3">
+            <a:extLst>
+              <a:ext uri="{FF2B5EF4-FFF2-40B4-BE49-F238E27FC236}">
+                <a16:creationId xmlns:a16="http://schemas.microsoft.com/office/drawing/2014/main" id="{B6999564-0BBB-4143-BE1C-F0B99870162A}"/>
+              </a:ext>
+            </a:extLst>
+          </p:cNvPr>
+          <p:cNvSpPr>
+            <a:spLocks noGrp="1"/>
+          </p:cNvSpPr>
+          <p:nvPr>
+            <p:ph type="sldNum" sz="quarter" idx="12"/>
+          </p:nvPr>
+        </p:nvSpPr>
+        <p:spPr/>
+        <p:txBody>
+          <a:bodyPr/>
+          <a:lstStyle/>
+          <a:p>
+            <a:fld id="{76B8FEF2-1166-4001-8604-5999A6307F98}" type="slidenum">
+              <a:rPr lang="en-CA" smtClean="0"/>
+              <a:t>4</a:t>
             </a:fld>
             <a:endParaRPr lang="en-CA"/>
           </a:p>

--- a/admin/weekly-updates/week4/capstone-midterm.pptx
+++ b/admin/weekly-updates/week4/capstone-midterm.pptx
@@ -6,12 +6,13 @@
     <p:sldMasterId id="2147483660" r:id="rId2"/>
   </p:sldMasterIdLst>
   <p:notesMasterIdLst>
-    <p:notesMasterId r:id="rId6"/>
+    <p:notesMasterId r:id="rId7"/>
   </p:notesMasterIdLst>
   <p:sldIdLst>
     <p:sldId id="257" r:id="rId3"/>
     <p:sldId id="259" r:id="rId4"/>
     <p:sldId id="260" r:id="rId5"/>
+    <p:sldId id="261" r:id="rId6"/>
   </p:sldIdLst>
   <p:sldSz cx="12192000" cy="6858000"/>
   <p:notesSz cx="6858000" cy="9144000"/>
@@ -9562,9 +9563,18 @@
           <a:lstStyle/>
           <a:p>
             <a:r>
-              <a:rPr lang="en-CA"/>
-              <a:t>test</a:t>
-            </a:r>
+              <a:rPr lang="en-CA" dirty="0"/>
+              <a:t>Test</a:t>
+            </a:r>
+          </a:p>
+          <a:p>
+            <a:r>
+              <a:rPr lang="en-CA" dirty="0"/>
+              <a:t>Test2</a:t>
+            </a:r>
+          </a:p>
+          <a:p>
+            <a:endParaRPr lang="en-CA" dirty="0"/>
           </a:p>
         </p:txBody>
       </p:sp>
@@ -9601,6 +9611,115 @@
     <p:extLst>
       <p:ext uri="{BB962C8B-B14F-4D97-AF65-F5344CB8AC3E}">
         <p14:creationId xmlns:p14="http://schemas.microsoft.com/office/powerpoint/2010/main" val="3681214476"/>
+      </p:ext>
+    </p:extLst>
+  </p:cSld>
+  <p:clrMapOvr>
+    <a:masterClrMapping/>
+  </p:clrMapOvr>
+</p:sld>
+</file>
+
+<file path=ppt/slides/slide4.xml><?xml version="1.0" encoding="utf-8"?>
+<p:sld xmlns:a="http://schemas.openxmlformats.org/drawingml/2006/main" xmlns:r="http://schemas.openxmlformats.org/officeDocument/2006/relationships" xmlns:p="http://schemas.openxmlformats.org/presentationml/2006/main">
+  <p:cSld>
+    <p:spTree>
+      <p:nvGrpSpPr>
+        <p:cNvPr id="1" name=""/>
+        <p:cNvGrpSpPr/>
+        <p:nvPr/>
+      </p:nvGrpSpPr>
+      <p:grpSpPr>
+        <a:xfrm>
+          <a:off x="0" y="0"/>
+          <a:ext cx="0" cy="0"/>
+          <a:chOff x="0" y="0"/>
+          <a:chExt cx="0" cy="0"/>
+        </a:xfrm>
+      </p:grpSpPr>
+      <p:sp>
+        <p:nvSpPr>
+          <p:cNvPr id="2" name="Title 1">
+            <a:extLst>
+              <a:ext uri="{FF2B5EF4-FFF2-40B4-BE49-F238E27FC236}">
+                <a16:creationId xmlns:a16="http://schemas.microsoft.com/office/drawing/2014/main" id="{DA2BD00D-4805-A454-5EFA-0215BCABFF17}"/>
+              </a:ext>
+            </a:extLst>
+          </p:cNvPr>
+          <p:cNvSpPr>
+            <a:spLocks noGrp="1"/>
+          </p:cNvSpPr>
+          <p:nvPr>
+            <p:ph type="title"/>
+          </p:nvPr>
+        </p:nvSpPr>
+        <p:spPr/>
+        <p:txBody>
+          <a:bodyPr/>
+          <a:lstStyle/>
+          <a:p>
+            <a:endParaRPr lang="en-US"/>
+          </a:p>
+        </p:txBody>
+      </p:sp>
+      <p:sp>
+        <p:nvSpPr>
+          <p:cNvPr id="3" name="Content Placeholder 2">
+            <a:extLst>
+              <a:ext uri="{FF2B5EF4-FFF2-40B4-BE49-F238E27FC236}">
+                <a16:creationId xmlns:a16="http://schemas.microsoft.com/office/drawing/2014/main" id="{0FCCD91C-9872-CFF4-1EAA-05D6DF109AA1}"/>
+              </a:ext>
+            </a:extLst>
+          </p:cNvPr>
+          <p:cNvSpPr>
+            <a:spLocks noGrp="1"/>
+          </p:cNvSpPr>
+          <p:nvPr>
+            <p:ph idx="1"/>
+          </p:nvPr>
+        </p:nvSpPr>
+        <p:spPr/>
+        <p:txBody>
+          <a:bodyPr/>
+          <a:lstStyle/>
+          <a:p>
+            <a:endParaRPr lang="en-US"/>
+          </a:p>
+        </p:txBody>
+      </p:sp>
+      <p:sp>
+        <p:nvSpPr>
+          <p:cNvPr id="4" name="Slide Number Placeholder 3">
+            <a:extLst>
+              <a:ext uri="{FF2B5EF4-FFF2-40B4-BE49-F238E27FC236}">
+                <a16:creationId xmlns:a16="http://schemas.microsoft.com/office/drawing/2014/main" id="{C860C90F-46BF-0E12-9A3F-55BCDE62D42C}"/>
+              </a:ext>
+            </a:extLst>
+          </p:cNvPr>
+          <p:cNvSpPr>
+            <a:spLocks noGrp="1"/>
+          </p:cNvSpPr>
+          <p:nvPr>
+            <p:ph type="sldNum" sz="quarter" idx="12"/>
+          </p:nvPr>
+        </p:nvSpPr>
+        <p:spPr/>
+        <p:txBody>
+          <a:bodyPr/>
+          <a:lstStyle/>
+          <a:p>
+            <a:fld id="{76B8FEF2-1166-4001-8604-5999A6307F98}" type="slidenum">
+              <a:rPr lang="en-CA" smtClean="0"/>
+              <a:t>4</a:t>
+            </a:fld>
+            <a:endParaRPr lang="en-CA"/>
+          </a:p>
+        </p:txBody>
+      </p:sp>
+    </p:spTree>
+    <p:extLst>
+      <p:ext uri="{BB962C8B-B14F-4D97-AF65-F5344CB8AC3E}">
+        <p14:creationId xmlns:p14="http://schemas.microsoft.com/office/powerpoint/2010/main" val="3696387376"/>
       </p:ext>
     </p:extLst>
   </p:cSld>
